--- a/5주차/발표자료/코드 리뷰 자료/유의진/코드리뷰 유의진.pptx
+++ b/5주차/발표자료/코드 리뷰 자료/유의진/코드리뷰 유의진.pptx
@@ -107,6 +107,11 @@
       </a:defRPr>
     </a:lvl9pPr>
   </p:defaultTextStyle>
+  <p:extLst>
+    <p:ext uri="{EFAFB233-063F-42B5-8137-9DF3F51BA10A}">
+      <p15:sldGuideLst xmlns:p15="http://schemas.microsoft.com/office/powerpoint/2012/main"/>
+    </p:ext>
+  </p:extLst>
 </p:presentation>
 </file>
 
@@ -3384,13 +3389,13 @@
           <a:p>
             <a:pPr algn="ctr"/>
             <a:r>
-              <a:rPr lang="en-US" altLang="ko-KR" sz="3600" dirty="0">
+              <a:rPr lang="ko-KR" altLang="en-US" sz="3600">
                 <a:solidFill>
                   <a:schemeClr val="bg1"/>
                 </a:solidFill>
                 <a:latin typeface="+mj-lt"/>
               </a:rPr>
-              <a:t>5</a:t>
+              <a:t>코드리뷰 </a:t>
             </a:r>
             <a:r>
               <a:rPr lang="ko-KR" altLang="en-US" sz="3600" dirty="0">
@@ -3399,7 +3404,7 @@
                 </a:solidFill>
                 <a:latin typeface="+mj-lt"/>
               </a:rPr>
-              <a:t>주차 코드리뷰 발표자료</a:t>
+              <a:t>발표자료</a:t>
             </a:r>
             <a:endParaRPr lang="en-US" altLang="ko-KR" sz="3600" dirty="0">
               <a:solidFill>
